--- a/PMG_presentation.pptx
+++ b/PMG_presentation.pptx
@@ -9325,7 +9325,7 @@
         <p:spPr>
           <a:xfrm>
             <a:off x="438547" y="4097655"/>
-            <a:ext cx="4793620" cy="2031325"/>
+            <a:ext cx="4842864" cy="2585323"/>
           </a:xfrm>
           <a:prstGeom prst="rect">
             <a:avLst/>
@@ -9383,6 +9383,18 @@
             <a:r>
               <a:rPr lang="en-US" dirty="0"/>
               <a:t>Conv. Rate ~ Revenue/CTR</a:t>
+            </a:r>
+          </a:p>
+          <a:p>
+            <a:r>
+              <a:rPr lang="en-US" dirty="0"/>
+              <a:t>Hence, CA has the best Conversion Rate of Clicks, </a:t>
+            </a:r>
+          </a:p>
+          <a:p>
+            <a:r>
+              <a:rPr lang="en-US" dirty="0"/>
+              <a:t>making it the most efficient store </a:t>
             </a:r>
           </a:p>
         </p:txBody>
